--- a/temp/ArduinoPin Arrangement.pptx
+++ b/temp/ArduinoPin Arrangement.pptx
@@ -104,6 +104,11 @@
       </a:defRPr>
     </a:lvl9pPr>
   </p:defaultTextStyle>
+  <p:extLst>
+    <p:ext uri="{EFAFB233-063F-42B5-8137-9DF3F51BA10A}">
+      <p15:sldGuideLst xmlns:p15="http://schemas.microsoft.com/office/powerpoint/2012/main"/>
+    </p:ext>
+  </p:extLst>
 </p:presentation>
 </file>
 
@@ -254,7 +259,7 @@
           <a:p>
             <a:fld id="{1EDF15E2-3F9A-449D-B988-4A781A909524}" type="datetimeFigureOut">
               <a:rPr lang="ko-KR" altLang="en-US" smtClean="0"/>
-              <a:t>2020-03-08</a:t>
+              <a:t>2020-03-19</a:t>
             </a:fld>
             <a:endParaRPr lang="ko-KR" altLang="en-US" dirty="0"/>
           </a:p>
@@ -452,7 +457,7 @@
           <a:p>
             <a:fld id="{1EDF15E2-3F9A-449D-B988-4A781A909524}" type="datetimeFigureOut">
               <a:rPr lang="ko-KR" altLang="en-US" smtClean="0"/>
-              <a:t>2020-03-08</a:t>
+              <a:t>2020-03-19</a:t>
             </a:fld>
             <a:endParaRPr lang="ko-KR" altLang="en-US" dirty="0"/>
           </a:p>
@@ -660,7 +665,7 @@
           <a:p>
             <a:fld id="{1EDF15E2-3F9A-449D-B988-4A781A909524}" type="datetimeFigureOut">
               <a:rPr lang="ko-KR" altLang="en-US" smtClean="0"/>
-              <a:t>2020-03-08</a:t>
+              <a:t>2020-03-19</a:t>
             </a:fld>
             <a:endParaRPr lang="ko-KR" altLang="en-US" dirty="0"/>
           </a:p>
@@ -858,7 +863,7 @@
           <a:p>
             <a:fld id="{1EDF15E2-3F9A-449D-B988-4A781A909524}" type="datetimeFigureOut">
               <a:rPr lang="ko-KR" altLang="en-US" smtClean="0"/>
-              <a:t>2020-03-08</a:t>
+              <a:t>2020-03-19</a:t>
             </a:fld>
             <a:endParaRPr lang="ko-KR" altLang="en-US" dirty="0"/>
           </a:p>
@@ -1133,7 +1138,7 @@
           <a:p>
             <a:fld id="{1EDF15E2-3F9A-449D-B988-4A781A909524}" type="datetimeFigureOut">
               <a:rPr lang="ko-KR" altLang="en-US" smtClean="0"/>
-              <a:t>2020-03-08</a:t>
+              <a:t>2020-03-19</a:t>
             </a:fld>
             <a:endParaRPr lang="ko-KR" altLang="en-US" dirty="0"/>
           </a:p>
@@ -1398,7 +1403,7 @@
           <a:p>
             <a:fld id="{1EDF15E2-3F9A-449D-B988-4A781A909524}" type="datetimeFigureOut">
               <a:rPr lang="ko-KR" altLang="en-US" smtClean="0"/>
-              <a:t>2020-03-08</a:t>
+              <a:t>2020-03-19</a:t>
             </a:fld>
             <a:endParaRPr lang="ko-KR" altLang="en-US" dirty="0"/>
           </a:p>
@@ -1810,7 +1815,7 @@
           <a:p>
             <a:fld id="{1EDF15E2-3F9A-449D-B988-4A781A909524}" type="datetimeFigureOut">
               <a:rPr lang="ko-KR" altLang="en-US" smtClean="0"/>
-              <a:t>2020-03-08</a:t>
+              <a:t>2020-03-19</a:t>
             </a:fld>
             <a:endParaRPr lang="ko-KR" altLang="en-US" dirty="0"/>
           </a:p>
@@ -1951,7 +1956,7 @@
           <a:p>
             <a:fld id="{1EDF15E2-3F9A-449D-B988-4A781A909524}" type="datetimeFigureOut">
               <a:rPr lang="ko-KR" altLang="en-US" smtClean="0"/>
-              <a:t>2020-03-08</a:t>
+              <a:t>2020-03-19</a:t>
             </a:fld>
             <a:endParaRPr lang="ko-KR" altLang="en-US" dirty="0"/>
           </a:p>
@@ -2064,7 +2069,7 @@
           <a:p>
             <a:fld id="{1EDF15E2-3F9A-449D-B988-4A781A909524}" type="datetimeFigureOut">
               <a:rPr lang="ko-KR" altLang="en-US" smtClean="0"/>
-              <a:t>2020-03-08</a:t>
+              <a:t>2020-03-19</a:t>
             </a:fld>
             <a:endParaRPr lang="ko-KR" altLang="en-US" dirty="0"/>
           </a:p>
@@ -2375,7 +2380,7 @@
           <a:p>
             <a:fld id="{1EDF15E2-3F9A-449D-B988-4A781A909524}" type="datetimeFigureOut">
               <a:rPr lang="ko-KR" altLang="en-US" smtClean="0"/>
-              <a:t>2020-03-08</a:t>
+              <a:t>2020-03-19</a:t>
             </a:fld>
             <a:endParaRPr lang="ko-KR" altLang="en-US" dirty="0"/>
           </a:p>
@@ -2663,7 +2668,7 @@
           <a:p>
             <a:fld id="{1EDF15E2-3F9A-449D-B988-4A781A909524}" type="datetimeFigureOut">
               <a:rPr lang="ko-KR" altLang="en-US" smtClean="0"/>
-              <a:t>2020-03-08</a:t>
+              <a:t>2020-03-19</a:t>
             </a:fld>
             <a:endParaRPr lang="ko-KR" altLang="en-US" dirty="0"/>
           </a:p>
@@ -2904,7 +2909,7 @@
           <a:p>
             <a:fld id="{1EDF15E2-3F9A-449D-B988-4A781A909524}" type="datetimeFigureOut">
               <a:rPr lang="ko-KR" altLang="en-US" smtClean="0"/>
-              <a:t>2020-03-08</a:t>
+              <a:t>2020-03-19</a:t>
             </a:fld>
             <a:endParaRPr lang="ko-KR" altLang="en-US" dirty="0"/>
           </a:p>
@@ -3382,7 +3387,7 @@
               <a:gd name="adj2" fmla="val -8333"/>
               <a:gd name="adj3" fmla="val 18750"/>
               <a:gd name="adj4" fmla="val -16667"/>
-              <a:gd name="adj5" fmla="val 415278"/>
+              <a:gd name="adj5" fmla="val 229557"/>
               <a:gd name="adj6" fmla="val -56173"/>
             </a:avLst>
           </a:prstGeom>
@@ -3417,7 +3422,7 @@
           <a:p>
             <a:r>
               <a:rPr lang="en-US" altLang="ko-KR" dirty="0"/>
-              <a:t>Motor_A Control2</a:t>
+              <a:t>ESP-01 Adapter Rx</a:t>
             </a:r>
             <a:endParaRPr lang="ko-KR" altLang="en-US" dirty="0"/>
           </a:p>
@@ -3446,8 +3451,8 @@
               <a:gd name="adj2" fmla="val -8333"/>
               <a:gd name="adj3" fmla="val 18750"/>
               <a:gd name="adj4" fmla="val -16667"/>
-              <a:gd name="adj5" fmla="val 373611"/>
-              <a:gd name="adj6" fmla="val -56933"/>
+              <a:gd name="adj5" fmla="val 185380"/>
+              <a:gd name="adj6" fmla="val -56246"/>
             </a:avLst>
           </a:prstGeom>
           <a:solidFill>
@@ -3481,7 +3486,7 @@
           <a:p>
             <a:r>
               <a:rPr lang="en-US" altLang="ko-KR" dirty="0"/>
-              <a:t>Motor_A Control1</a:t>
+              <a:t>ESP-01 Adapter Tx</a:t>
             </a:r>
             <a:endParaRPr lang="ko-KR" altLang="en-US" dirty="0"/>
           </a:p>
@@ -3501,7 +3506,7 @@
         </p:nvSpPr>
         <p:spPr>
           <a:xfrm>
-            <a:off x="8815527" y="4767310"/>
+            <a:off x="8815526" y="4767310"/>
             <a:ext cx="2334827" cy="319596"/>
           </a:xfrm>
           <a:prstGeom prst="borderCallout2">
@@ -3510,7 +3515,75 @@
               <a:gd name="adj2" fmla="val -8333"/>
               <a:gd name="adj3" fmla="val 18750"/>
               <a:gd name="adj4" fmla="val -16667"/>
-              <a:gd name="adj5" fmla="val 331944"/>
+              <a:gd name="adj5" fmla="val 168811"/>
+              <a:gd name="adj6" fmla="val -56209"/>
+            </a:avLst>
+          </a:prstGeom>
+          <a:solidFill>
+            <a:srgbClr val="316E99"/>
+          </a:solidFill>
+          <a:ln w="28575">
+            <a:solidFill>
+              <a:srgbClr val="FFC000"/>
+            </a:solidFill>
+          </a:ln>
+        </p:spPr>
+        <p:style>
+          <a:lnRef idx="2">
+            <a:schemeClr val="accent1">
+              <a:shade val="50000"/>
+            </a:schemeClr>
+          </a:lnRef>
+          <a:fillRef idx="1">
+            <a:schemeClr val="accent1"/>
+          </a:fillRef>
+          <a:effectRef idx="0">
+            <a:schemeClr val="accent1"/>
+          </a:effectRef>
+          <a:fontRef idx="minor">
+            <a:schemeClr val="lt1"/>
+          </a:fontRef>
+        </p:style>
+        <p:txBody>
+          <a:bodyPr rtlCol="0" anchor="ctr"/>
+          <a:lstStyle/>
+          <a:p>
+            <a:r>
+              <a:rPr lang="en-US" altLang="ko-KR" dirty="0" err="1"/>
+              <a:t>Motor_A</a:t>
+            </a:r>
+            <a:r>
+              <a:rPr lang="en-US" altLang="ko-KR" dirty="0"/>
+              <a:t> Control2</a:t>
+            </a:r>
+            <a:endParaRPr lang="ko-KR" altLang="en-US" dirty="0"/>
+          </a:p>
+        </p:txBody>
+      </p:sp>
+      <p:sp>
+        <p:nvSpPr>
+          <p:cNvPr id="8" name="설명선: 굽은 선 7">
+            <a:extLst>
+              <a:ext uri="{FF2B5EF4-FFF2-40B4-BE49-F238E27FC236}">
+                <a16:creationId xmlns:a16="http://schemas.microsoft.com/office/drawing/2014/main" id="{DB400607-91CA-41FB-B940-6208110689D1}"/>
+              </a:ext>
+            </a:extLst>
+          </p:cNvPr>
+          <p:cNvSpPr/>
+          <p:nvPr/>
+        </p:nvSpPr>
+        <p:spPr>
+          <a:xfrm>
+            <a:off x="8815527" y="5086906"/>
+            <a:ext cx="2334827" cy="319596"/>
+          </a:xfrm>
+          <a:prstGeom prst="borderCallout2">
+            <a:avLst>
+              <a:gd name="adj1" fmla="val 18750"/>
+              <a:gd name="adj2" fmla="val -8333"/>
+              <a:gd name="adj3" fmla="val 18750"/>
+              <a:gd name="adj4" fmla="val -16667"/>
+              <a:gd name="adj5" fmla="val 126340"/>
               <a:gd name="adj6" fmla="val -56553"/>
             </a:avLst>
           </a:prstGeom>
@@ -3544,72 +3617,12 @@
           <a:lstStyle/>
           <a:p>
             <a:r>
+              <a:rPr lang="en-US" altLang="ko-KR" dirty="0" err="1"/>
+              <a:t>Motor_A</a:t>
+            </a:r>
+            <a:r>
               <a:rPr lang="en-US" altLang="ko-KR" dirty="0"/>
-              <a:t>Motor Encoder2</a:t>
-            </a:r>
-            <a:endParaRPr lang="ko-KR" altLang="en-US" dirty="0"/>
-          </a:p>
-        </p:txBody>
-      </p:sp>
-      <p:sp>
-        <p:nvSpPr>
-          <p:cNvPr id="8" name="설명선: 굽은 선 7">
-            <a:extLst>
-              <a:ext uri="{FF2B5EF4-FFF2-40B4-BE49-F238E27FC236}">
-                <a16:creationId xmlns:a16="http://schemas.microsoft.com/office/drawing/2014/main" id="{DB400607-91CA-41FB-B940-6208110689D1}"/>
-              </a:ext>
-            </a:extLst>
-          </p:cNvPr>
-          <p:cNvSpPr/>
-          <p:nvPr/>
-        </p:nvSpPr>
-        <p:spPr>
-          <a:xfrm>
-            <a:off x="8815527" y="5086906"/>
-            <a:ext cx="2334827" cy="319596"/>
-          </a:xfrm>
-          <a:prstGeom prst="borderCallout2">
-            <a:avLst>
-              <a:gd name="adj1" fmla="val 18750"/>
-              <a:gd name="adj2" fmla="val -8333"/>
-              <a:gd name="adj3" fmla="val 18750"/>
-              <a:gd name="adj4" fmla="val -16667"/>
-              <a:gd name="adj5" fmla="val 281944"/>
-              <a:gd name="adj6" fmla="val -56553"/>
-            </a:avLst>
-          </a:prstGeom>
-          <a:solidFill>
-            <a:srgbClr val="316E99"/>
-          </a:solidFill>
-          <a:ln w="28575">
-            <a:solidFill>
-              <a:srgbClr val="FFC000"/>
-            </a:solidFill>
-          </a:ln>
-        </p:spPr>
-        <p:style>
-          <a:lnRef idx="2">
-            <a:schemeClr val="accent1">
-              <a:shade val="50000"/>
-            </a:schemeClr>
-          </a:lnRef>
-          <a:fillRef idx="1">
-            <a:schemeClr val="accent1"/>
-          </a:fillRef>
-          <a:effectRef idx="0">
-            <a:schemeClr val="accent1"/>
-          </a:effectRef>
-          <a:fontRef idx="minor">
-            <a:schemeClr val="lt1"/>
-          </a:fontRef>
-        </p:style>
-        <p:txBody>
-          <a:bodyPr rtlCol="0" anchor="ctr"/>
-          <a:lstStyle/>
-          <a:p>
-            <a:r>
-              <a:rPr lang="en-US" altLang="ko-KR" dirty="0"/>
-              <a:t>Motor Encoder1</a:t>
+              <a:t> Control1</a:t>
             </a:r>
             <a:endParaRPr lang="ko-KR" altLang="en-US" dirty="0"/>
           </a:p>
@@ -3638,7 +3651,7 @@
               <a:gd name="adj2" fmla="val -8333"/>
               <a:gd name="adj3" fmla="val 18750"/>
               <a:gd name="adj4" fmla="val -16667"/>
-              <a:gd name="adj5" fmla="val 184722"/>
+              <a:gd name="adj5" fmla="val 81822"/>
               <a:gd name="adj6" fmla="val -56933"/>
             </a:avLst>
           </a:prstGeom>
@@ -3673,7 +3686,7 @@
           <a:p>
             <a:r>
               <a:rPr lang="en-US" altLang="ko-KR" dirty="0"/>
-              <a:t>ESP-01 Adapter Rx</a:t>
+              <a:t>Motor Encoder2</a:t>
             </a:r>
             <a:endParaRPr lang="ko-KR" altLang="en-US" dirty="0"/>
           </a:p>
@@ -3702,8 +3715,8 @@
               <a:gd name="adj2" fmla="val -8333"/>
               <a:gd name="adj3" fmla="val 18750"/>
               <a:gd name="adj4" fmla="val -16667"/>
-              <a:gd name="adj5" fmla="val 140277"/>
-              <a:gd name="adj6" fmla="val -56173"/>
+              <a:gd name="adj5" fmla="val 32358"/>
+              <a:gd name="adj6" fmla="val -56860"/>
             </a:avLst>
           </a:prstGeom>
           <a:solidFill>
@@ -3737,7 +3750,7 @@
           <a:p>
             <a:r>
               <a:rPr lang="en-US" altLang="ko-KR" dirty="0"/>
-              <a:t>ESP-01 Adapter Tx</a:t>
+              <a:t>Motor Encoder1</a:t>
             </a:r>
             <a:endParaRPr lang="ko-KR" altLang="en-US" dirty="0"/>
           </a:p>
